--- a/r-data-structures.pptx
+++ b/r-data-structures.pptx
@@ -5,7 +5,7 @@
     <p:sldMasterId id="2147483672" r:id="rId1"/>
   </p:sldMasterIdLst>
   <p:notesMasterIdLst>
-    <p:notesMasterId r:id="rId65"/>
+    <p:notesMasterId r:id="rId67"/>
   </p:notesMasterIdLst>
   <p:sldIdLst>
     <p:sldId id="256" r:id="rId2"/>
@@ -71,6 +71,8 @@
     <p:sldId id="318" r:id="rId62"/>
     <p:sldId id="321" r:id="rId63"/>
     <p:sldId id="320" r:id="rId64"/>
+    <p:sldId id="322" r:id="rId65"/>
+    <p:sldId id="323" r:id="rId66"/>
   </p:sldIdLst>
   <p:sldSz cx="9144000" cy="6858000" type="screen4x3"/>
   <p:notesSz cx="6858000" cy="9144000"/>
@@ -254,7 +256,7 @@
           <a:p>
             <a:fld id="{169D78D6-8321-4F48-80A3-43D3371EE9F4}" type="datetimeFigureOut">
               <a:rPr lang="en-GB" smtClean="0"/>
-              <a:t>24/11/2016</a:t>
+              <a:t>28/11/2016</a:t>
             </a:fld>
             <a:endParaRPr lang="en-GB"/>
           </a:p>
@@ -891,7 +893,7 @@
           <a:p>
             <a:fld id="{6494DF58-1072-4E30-AD3A-1BB4B8D723CE}" type="datetimeFigureOut">
               <a:rPr lang="en-GB" smtClean="0"/>
-              <a:t>24/11/2016</a:t>
+              <a:t>28/11/2016</a:t>
             </a:fld>
             <a:endParaRPr lang="en-GB"/>
           </a:p>
@@ -1061,7 +1063,7 @@
           <a:p>
             <a:fld id="{6494DF58-1072-4E30-AD3A-1BB4B8D723CE}" type="datetimeFigureOut">
               <a:rPr lang="en-GB" smtClean="0"/>
-              <a:t>24/11/2016</a:t>
+              <a:t>28/11/2016</a:t>
             </a:fld>
             <a:endParaRPr lang="en-GB"/>
           </a:p>
@@ -1241,7 +1243,7 @@
           <a:p>
             <a:fld id="{6494DF58-1072-4E30-AD3A-1BB4B8D723CE}" type="datetimeFigureOut">
               <a:rPr lang="en-GB" smtClean="0"/>
-              <a:t>24/11/2016</a:t>
+              <a:t>28/11/2016</a:t>
             </a:fld>
             <a:endParaRPr lang="en-GB"/>
           </a:p>
@@ -1411,7 +1413,7 @@
           <a:p>
             <a:fld id="{6494DF58-1072-4E30-AD3A-1BB4B8D723CE}" type="datetimeFigureOut">
               <a:rPr lang="en-GB" smtClean="0"/>
-              <a:t>24/11/2016</a:t>
+              <a:t>28/11/2016</a:t>
             </a:fld>
             <a:endParaRPr lang="en-GB"/>
           </a:p>
@@ -1657,7 +1659,7 @@
           <a:p>
             <a:fld id="{6494DF58-1072-4E30-AD3A-1BB4B8D723CE}" type="datetimeFigureOut">
               <a:rPr lang="en-GB" smtClean="0"/>
-              <a:t>24/11/2016</a:t>
+              <a:t>28/11/2016</a:t>
             </a:fld>
             <a:endParaRPr lang="en-GB"/>
           </a:p>
@@ -1945,7 +1947,7 @@
           <a:p>
             <a:fld id="{6494DF58-1072-4E30-AD3A-1BB4B8D723CE}" type="datetimeFigureOut">
               <a:rPr lang="en-GB" smtClean="0"/>
-              <a:t>24/11/2016</a:t>
+              <a:t>28/11/2016</a:t>
             </a:fld>
             <a:endParaRPr lang="en-GB"/>
           </a:p>
@@ -2367,7 +2369,7 @@
           <a:p>
             <a:fld id="{6494DF58-1072-4E30-AD3A-1BB4B8D723CE}" type="datetimeFigureOut">
               <a:rPr lang="en-GB" smtClean="0"/>
-              <a:t>24/11/2016</a:t>
+              <a:t>28/11/2016</a:t>
             </a:fld>
             <a:endParaRPr lang="en-GB"/>
           </a:p>
@@ -2485,7 +2487,7 @@
           <a:p>
             <a:fld id="{6494DF58-1072-4E30-AD3A-1BB4B8D723CE}" type="datetimeFigureOut">
               <a:rPr lang="en-GB" smtClean="0"/>
-              <a:t>24/11/2016</a:t>
+              <a:t>28/11/2016</a:t>
             </a:fld>
             <a:endParaRPr lang="en-GB"/>
           </a:p>
@@ -2580,7 +2582,7 @@
           <a:p>
             <a:fld id="{6494DF58-1072-4E30-AD3A-1BB4B8D723CE}" type="datetimeFigureOut">
               <a:rPr lang="en-GB" smtClean="0"/>
-              <a:t>24/11/2016</a:t>
+              <a:t>28/11/2016</a:t>
             </a:fld>
             <a:endParaRPr lang="en-GB"/>
           </a:p>
@@ -2857,7 +2859,7 @@
           <a:p>
             <a:fld id="{6494DF58-1072-4E30-AD3A-1BB4B8D723CE}" type="datetimeFigureOut">
               <a:rPr lang="en-GB" smtClean="0"/>
-              <a:t>24/11/2016</a:t>
+              <a:t>28/11/2016</a:t>
             </a:fld>
             <a:endParaRPr lang="en-GB"/>
           </a:p>
@@ -3110,7 +3112,7 @@
           <a:p>
             <a:fld id="{6494DF58-1072-4E30-AD3A-1BB4B8D723CE}" type="datetimeFigureOut">
               <a:rPr lang="en-GB" smtClean="0"/>
-              <a:t>24/11/2016</a:t>
+              <a:t>28/11/2016</a:t>
             </a:fld>
             <a:endParaRPr lang="en-GB"/>
           </a:p>
@@ -3326,7 +3328,7 @@
           <a:p>
             <a:fld id="{6494DF58-1072-4E30-AD3A-1BB4B8D723CE}" type="datetimeFigureOut">
               <a:rPr lang="en-GB" smtClean="0"/>
-              <a:t>24/11/2016</a:t>
+              <a:t>28/11/2016</a:t>
             </a:fld>
             <a:endParaRPr lang="en-GB"/>
           </a:p>
@@ -16493,7 +16495,29 @@
                   <a:schemeClr val="bg1"/>
                 </a:solidFill>
               </a:rPr>
-              <a:t>E.g. </a:t>
+              <a:t>Difference: </a:t>
+            </a:r>
+          </a:p>
+          <a:p>
+            <a:pPr lvl="2"/>
+            <a:r>
+              <a:rPr lang="en-GB" dirty="0" smtClean="0">
+                <a:solidFill>
+                  <a:schemeClr val="bg1"/>
+                </a:solidFill>
+              </a:rPr>
+              <a:t>c() is type-specific </a:t>
+            </a:r>
+          </a:p>
+          <a:p>
+            <a:pPr lvl="2"/>
+            <a:r>
+              <a:rPr lang="en-GB" dirty="0" smtClean="0">
+                <a:solidFill>
+                  <a:schemeClr val="bg1"/>
+                </a:solidFill>
+              </a:rPr>
+              <a:t>list() combines varied types</a:t>
             </a:r>
             <a:endParaRPr lang="en-GB" dirty="0">
               <a:solidFill>
@@ -16609,18 +16633,567 @@
               </a:rPr>
               <a:t>Unordered </a:t>
             </a:r>
+          </a:p>
+          <a:p>
+            <a:pPr lvl="1"/>
             <a:endParaRPr lang="en-GB" dirty="0">
               <a:solidFill>
                 <a:schemeClr val="bg1"/>
               </a:solidFill>
             </a:endParaRPr>
           </a:p>
+          <a:p>
+            <a:pPr lvl="1"/>
+            <a:r>
+              <a:rPr lang="en-GB" dirty="0" smtClean="0">
+                <a:solidFill>
+                  <a:schemeClr val="bg1"/>
+                </a:solidFill>
+              </a:rPr>
+              <a:t>Very useful for iterative operations</a:t>
+            </a:r>
+          </a:p>
+          <a:p>
+            <a:pPr lvl="1"/>
+            <a:r>
+              <a:rPr lang="en-GB" dirty="0" smtClean="0">
+                <a:solidFill>
+                  <a:schemeClr val="bg1"/>
+                </a:solidFill>
+              </a:rPr>
+              <a:t>Data downloaded via the Twitter API is organised as a list</a:t>
+            </a:r>
+            <a:endParaRPr lang="en-GB" dirty="0">
+              <a:solidFill>
+                <a:schemeClr val="bg1"/>
+              </a:solidFill>
+            </a:endParaRPr>
+          </a:p>
         </p:txBody>
       </p:sp>
     </p:spTree>
     <p:extLst>
       <p:ext uri="{BB962C8B-B14F-4D97-AF65-F5344CB8AC3E}">
         <p14:creationId xmlns:p14="http://schemas.microsoft.com/office/powerpoint/2010/main" val="3052381893"/>
+      </p:ext>
+    </p:extLst>
+  </p:cSld>
+  <p:clrMapOvr>
+    <a:masterClrMapping/>
+  </p:clrMapOvr>
+</p:sld>
+</file>
+
+<file path=ppt/slides/slide64.xml><?xml version="1.0" encoding="utf-8"?>
+<p:sld xmlns:a="http://schemas.openxmlformats.org/drawingml/2006/main" xmlns:r="http://schemas.openxmlformats.org/officeDocument/2006/relationships" xmlns:p="http://schemas.openxmlformats.org/presentationml/2006/main">
+  <p:cSld>
+    <p:spTree>
+      <p:nvGrpSpPr>
+        <p:cNvPr id="1" name=""/>
+        <p:cNvGrpSpPr/>
+        <p:nvPr/>
+      </p:nvGrpSpPr>
+      <p:grpSpPr>
+        <a:xfrm>
+          <a:off x="0" y="0"/>
+          <a:ext cx="0" cy="0"/>
+          <a:chOff x="0" y="0"/>
+          <a:chExt cx="0" cy="0"/>
+        </a:xfrm>
+      </p:grpSpPr>
+      <p:sp>
+        <p:nvSpPr>
+          <p:cNvPr id="2" name="Title 1"/>
+          <p:cNvSpPr>
+            <a:spLocks noGrp="1"/>
+          </p:cNvSpPr>
+          <p:nvPr>
+            <p:ph type="title"/>
+          </p:nvPr>
+        </p:nvSpPr>
+        <p:spPr/>
+        <p:txBody>
+          <a:bodyPr/>
+          <a:lstStyle/>
+          <a:p>
+            <a:r>
+              <a:rPr lang="en-GB" dirty="0" err="1" smtClean="0">
+                <a:solidFill>
+                  <a:schemeClr val="bg1"/>
+                </a:solidFill>
+              </a:rPr>
+              <a:t>Subsetting</a:t>
+            </a:r>
+            <a:endParaRPr lang="en-GB" dirty="0">
+              <a:solidFill>
+                <a:schemeClr val="bg1"/>
+              </a:solidFill>
+            </a:endParaRPr>
+          </a:p>
+        </p:txBody>
+      </p:sp>
+      <p:sp>
+        <p:nvSpPr>
+          <p:cNvPr id="3" name="Content Placeholder 2"/>
+          <p:cNvSpPr>
+            <a:spLocks noGrp="1"/>
+          </p:cNvSpPr>
+          <p:nvPr>
+            <p:ph idx="1"/>
+          </p:nvPr>
+        </p:nvSpPr>
+        <p:spPr>
+          <a:xfrm>
+            <a:off x="457200" y="1600200"/>
+            <a:ext cx="8229600" cy="4781128"/>
+          </a:xfrm>
+        </p:spPr>
+        <p:txBody>
+          <a:bodyPr>
+            <a:normAutofit fontScale="85000" lnSpcReduction="20000"/>
+          </a:bodyPr>
+          <a:lstStyle/>
+          <a:p>
+            <a:r>
+              <a:rPr lang="en-GB" dirty="0" smtClean="0">
+                <a:solidFill>
+                  <a:schemeClr val="bg1"/>
+                </a:solidFill>
+              </a:rPr>
+              <a:t>The </a:t>
+            </a:r>
+            <a:r>
+              <a:rPr lang="en-GB" dirty="0" smtClean="0">
+                <a:solidFill>
+                  <a:srgbClr val="FFFF00"/>
+                </a:solidFill>
+                <a:latin typeface="Consolas" pitchFamily="49" charset="0"/>
+              </a:rPr>
+              <a:t>$</a:t>
+            </a:r>
+            <a:r>
+              <a:rPr lang="en-GB" dirty="0" smtClean="0">
+                <a:solidFill>
+                  <a:schemeClr val="bg1"/>
+                </a:solidFill>
+              </a:rPr>
+              <a:t> is used to subset lists</a:t>
+            </a:r>
+          </a:p>
+          <a:p>
+            <a:pPr lvl="1"/>
+            <a:r>
+              <a:rPr lang="en-GB" dirty="0" smtClean="0">
+                <a:solidFill>
+                  <a:schemeClr val="bg1"/>
+                </a:solidFill>
+              </a:rPr>
+              <a:t>Examine </a:t>
+            </a:r>
+            <a:r>
+              <a:rPr lang="en-GB" dirty="0" err="1" smtClean="0">
+                <a:solidFill>
+                  <a:srgbClr val="FFFF00"/>
+                </a:solidFill>
+                <a:latin typeface="Consolas" pitchFamily="49" charset="0"/>
+              </a:rPr>
+              <a:t>str</a:t>
+            </a:r>
+            <a:r>
+              <a:rPr lang="en-GB" dirty="0" smtClean="0">
+                <a:solidFill>
+                  <a:srgbClr val="FFFF00"/>
+                </a:solidFill>
+                <a:latin typeface="Consolas" pitchFamily="49" charset="0"/>
+              </a:rPr>
+              <a:t>() </a:t>
+            </a:r>
+            <a:r>
+              <a:rPr lang="en-GB" dirty="0" smtClean="0">
+                <a:solidFill>
+                  <a:schemeClr val="bg1"/>
+                </a:solidFill>
+              </a:rPr>
+              <a:t>of the sample list</a:t>
+            </a:r>
+          </a:p>
+          <a:p>
+            <a:pPr lvl="1"/>
+            <a:r>
+              <a:rPr lang="en-GB" dirty="0" smtClean="0">
+                <a:solidFill>
+                  <a:schemeClr val="bg1"/>
+                </a:solidFill>
+              </a:rPr>
+              <a:t>Also examine the </a:t>
+            </a:r>
+            <a:r>
+              <a:rPr lang="en-GB" dirty="0" err="1" smtClean="0">
+                <a:solidFill>
+                  <a:srgbClr val="FFFF00"/>
+                </a:solidFill>
+                <a:latin typeface="Consolas" pitchFamily="49" charset="0"/>
+              </a:rPr>
+              <a:t>str</a:t>
+            </a:r>
+            <a:r>
+              <a:rPr lang="en-GB" dirty="0" smtClean="0">
+                <a:solidFill>
+                  <a:srgbClr val="FFFF00"/>
+                </a:solidFill>
+                <a:latin typeface="Consolas" pitchFamily="49" charset="0"/>
+              </a:rPr>
+              <a:t>()</a:t>
+            </a:r>
+            <a:r>
+              <a:rPr lang="en-GB" dirty="0" smtClean="0">
+                <a:solidFill>
+                  <a:schemeClr val="bg1"/>
+                </a:solidFill>
+              </a:rPr>
+              <a:t> of the data frame in the list</a:t>
+            </a:r>
+          </a:p>
+          <a:p>
+            <a:pPr lvl="1"/>
+            <a:r>
+              <a:rPr lang="en-GB" dirty="0" smtClean="0">
+                <a:solidFill>
+                  <a:schemeClr val="bg1"/>
+                </a:solidFill>
+              </a:rPr>
+              <a:t>Note the similarities.</a:t>
+            </a:r>
+          </a:p>
+          <a:p>
+            <a:pPr lvl="1"/>
+            <a:r>
+              <a:rPr lang="en-GB" dirty="0" smtClean="0">
+                <a:solidFill>
+                  <a:schemeClr val="bg1"/>
+                </a:solidFill>
+              </a:rPr>
+              <a:t>Now call </a:t>
+            </a:r>
+            <a:r>
+              <a:rPr lang="en-GB" dirty="0" err="1" smtClean="0">
+                <a:solidFill>
+                  <a:srgbClr val="FFFF00"/>
+                </a:solidFill>
+                <a:latin typeface="Consolas" pitchFamily="49" charset="0"/>
+              </a:rPr>
+              <a:t>typeof</a:t>
+            </a:r>
+            <a:r>
+              <a:rPr lang="en-GB" dirty="0" smtClean="0">
+                <a:solidFill>
+                  <a:srgbClr val="FFFF00"/>
+                </a:solidFill>
+                <a:latin typeface="Consolas" pitchFamily="49" charset="0"/>
+              </a:rPr>
+              <a:t>() </a:t>
+            </a:r>
+            <a:r>
+              <a:rPr lang="en-GB" dirty="0" smtClean="0">
+                <a:solidFill>
+                  <a:schemeClr val="bg1"/>
+                </a:solidFill>
+              </a:rPr>
+              <a:t>on the data frame</a:t>
+            </a:r>
+          </a:p>
+          <a:p>
+            <a:pPr lvl="1"/>
+            <a:r>
+              <a:rPr lang="en-GB" dirty="0" smtClean="0">
+                <a:solidFill>
+                  <a:schemeClr val="bg1"/>
+                </a:solidFill>
+              </a:rPr>
+              <a:t>What do you notice?</a:t>
+            </a:r>
+          </a:p>
+          <a:p>
+            <a:pPr lvl="1"/>
+            <a:endParaRPr lang="en-GB" dirty="0">
+              <a:solidFill>
+                <a:schemeClr val="bg1"/>
+              </a:solidFill>
+            </a:endParaRPr>
+          </a:p>
+          <a:p>
+            <a:pPr lvl="1"/>
+            <a:r>
+              <a:rPr lang="en-GB" dirty="0" smtClean="0">
+                <a:solidFill>
+                  <a:schemeClr val="bg1"/>
+                </a:solidFill>
+              </a:rPr>
+              <a:t>FACT: A data frame is actually a list – a list of vectors that all have the same length.</a:t>
+            </a:r>
+          </a:p>
+          <a:p>
+            <a:pPr lvl="1"/>
+            <a:r>
+              <a:rPr lang="en-GB" dirty="0" smtClean="0">
+                <a:solidFill>
+                  <a:schemeClr val="bg1"/>
+                </a:solidFill>
+              </a:rPr>
+              <a:t>Thus the approaches to </a:t>
+            </a:r>
+            <a:r>
+              <a:rPr lang="en-GB" dirty="0" err="1" smtClean="0">
+                <a:solidFill>
+                  <a:schemeClr val="bg1"/>
+                </a:solidFill>
+              </a:rPr>
+              <a:t>subsetting</a:t>
+            </a:r>
+            <a:r>
+              <a:rPr lang="en-GB" dirty="0" smtClean="0">
+                <a:solidFill>
+                  <a:schemeClr val="bg1"/>
+                </a:solidFill>
+              </a:rPr>
+              <a:t> data frames and lists are virtually identical</a:t>
+            </a:r>
+            <a:r>
+              <a:rPr lang="en-GB" dirty="0" smtClean="0">
+                <a:solidFill>
+                  <a:schemeClr val="bg1"/>
+                </a:solidFill>
+              </a:rPr>
+              <a:t>.</a:t>
+            </a:r>
+          </a:p>
+          <a:p>
+            <a:pPr lvl="1"/>
+            <a:endParaRPr lang="en-GB" dirty="0">
+              <a:solidFill>
+                <a:schemeClr val="bg1"/>
+              </a:solidFill>
+            </a:endParaRPr>
+          </a:p>
+          <a:p>
+            <a:pPr lvl="1"/>
+            <a:r>
+              <a:rPr lang="en-GB" dirty="0" smtClean="0">
+                <a:solidFill>
+                  <a:schemeClr val="accent6">
+                    <a:lumMod val="75000"/>
+                  </a:schemeClr>
+                </a:solidFill>
+              </a:rPr>
+              <a:t>Named lists </a:t>
+            </a:r>
+            <a:r>
+              <a:rPr lang="en-GB" dirty="0" smtClean="0">
+                <a:solidFill>
+                  <a:schemeClr val="bg1"/>
+                </a:solidFill>
+              </a:rPr>
+              <a:t>are needed for effective </a:t>
+            </a:r>
+            <a:r>
+              <a:rPr lang="en-GB" dirty="0" err="1" smtClean="0">
+                <a:solidFill>
+                  <a:schemeClr val="bg1"/>
+                </a:solidFill>
+              </a:rPr>
+              <a:t>subsetting</a:t>
+            </a:r>
+            <a:endParaRPr lang="en-GB" dirty="0" smtClean="0">
+              <a:solidFill>
+                <a:schemeClr val="bg1"/>
+              </a:solidFill>
+            </a:endParaRPr>
+          </a:p>
+        </p:txBody>
+      </p:sp>
+    </p:spTree>
+    <p:extLst>
+      <p:ext uri="{BB962C8B-B14F-4D97-AF65-F5344CB8AC3E}">
+        <p14:creationId xmlns:p14="http://schemas.microsoft.com/office/powerpoint/2010/main" val="3026205153"/>
+      </p:ext>
+    </p:extLst>
+  </p:cSld>
+  <p:clrMapOvr>
+    <a:masterClrMapping/>
+  </p:clrMapOvr>
+</p:sld>
+</file>
+
+<file path=ppt/slides/slide65.xml><?xml version="1.0" encoding="utf-8"?>
+<p:sld xmlns:a="http://schemas.openxmlformats.org/drawingml/2006/main" xmlns:r="http://schemas.openxmlformats.org/officeDocument/2006/relationships" xmlns:p="http://schemas.openxmlformats.org/presentationml/2006/main">
+  <p:cSld>
+    <p:spTree>
+      <p:nvGrpSpPr>
+        <p:cNvPr id="1" name=""/>
+        <p:cNvGrpSpPr/>
+        <p:nvPr/>
+      </p:nvGrpSpPr>
+      <p:grpSpPr>
+        <a:xfrm>
+          <a:off x="0" y="0"/>
+          <a:ext cx="0" cy="0"/>
+          <a:chOff x="0" y="0"/>
+          <a:chExt cx="0" cy="0"/>
+        </a:xfrm>
+      </p:grpSpPr>
+      <p:sp>
+        <p:nvSpPr>
+          <p:cNvPr id="2" name="Title 1"/>
+          <p:cNvSpPr>
+            <a:spLocks noGrp="1"/>
+          </p:cNvSpPr>
+          <p:nvPr>
+            <p:ph type="title"/>
+          </p:nvPr>
+        </p:nvSpPr>
+        <p:spPr/>
+        <p:txBody>
+          <a:bodyPr/>
+          <a:lstStyle/>
+          <a:p>
+            <a:r>
+              <a:rPr lang="en-GB" dirty="0" smtClean="0">
+                <a:solidFill>
+                  <a:schemeClr val="bg1"/>
+                </a:solidFill>
+              </a:rPr>
+              <a:t>Indexing</a:t>
+            </a:r>
+            <a:endParaRPr lang="en-GB" dirty="0">
+              <a:solidFill>
+                <a:schemeClr val="bg1"/>
+              </a:solidFill>
+            </a:endParaRPr>
+          </a:p>
+        </p:txBody>
+      </p:sp>
+      <p:sp>
+        <p:nvSpPr>
+          <p:cNvPr id="3" name="Content Placeholder 2"/>
+          <p:cNvSpPr>
+            <a:spLocks noGrp="1"/>
+          </p:cNvSpPr>
+          <p:nvPr>
+            <p:ph idx="1"/>
+          </p:nvPr>
+        </p:nvSpPr>
+        <p:spPr/>
+        <p:txBody>
+          <a:bodyPr/>
+          <a:lstStyle/>
+          <a:p>
+            <a:r>
+              <a:rPr lang="en-GB" dirty="0" smtClean="0">
+                <a:solidFill>
+                  <a:schemeClr val="bg1"/>
+                </a:solidFill>
+              </a:rPr>
+              <a:t>Recall the bracket operator…</a:t>
+            </a:r>
+          </a:p>
+          <a:p>
+            <a:pPr lvl="1"/>
+            <a:r>
+              <a:rPr lang="en-GB" dirty="0" smtClean="0">
+                <a:solidFill>
+                  <a:schemeClr val="bg1"/>
+                </a:solidFill>
+              </a:rPr>
+              <a:t>For lists we can use either [] or [[]]</a:t>
+            </a:r>
+          </a:p>
+          <a:p>
+            <a:pPr lvl="2"/>
+            <a:r>
+              <a:rPr lang="en-GB" dirty="0" smtClean="0">
+                <a:solidFill>
+                  <a:schemeClr val="bg1"/>
+                </a:solidFill>
+              </a:rPr>
+              <a:t>Use of [] will yield a list</a:t>
+            </a:r>
+          </a:p>
+          <a:p>
+            <a:pPr lvl="2"/>
+            <a:r>
+              <a:rPr lang="en-GB" dirty="0" smtClean="0">
+                <a:solidFill>
+                  <a:schemeClr val="bg1"/>
+                </a:solidFill>
+              </a:rPr>
+              <a:t>Using [[]] will yield the list’s component i.e. vector, etc.</a:t>
+            </a:r>
+          </a:p>
+          <a:p>
+            <a:pPr lvl="1"/>
+            <a:r>
+              <a:rPr lang="en-GB" dirty="0" smtClean="0">
+                <a:solidFill>
+                  <a:schemeClr val="bg1"/>
+                </a:solidFill>
+              </a:rPr>
+              <a:t>Try </a:t>
+            </a:r>
+            <a:r>
+              <a:rPr lang="en-GB" dirty="0" err="1" smtClean="0">
+                <a:solidFill>
+                  <a:schemeClr val="bg1"/>
+                </a:solidFill>
+              </a:rPr>
+              <a:t>typeof</a:t>
+            </a:r>
+            <a:r>
+              <a:rPr lang="en-GB" dirty="0" smtClean="0">
+                <a:solidFill>
+                  <a:schemeClr val="bg1"/>
+                </a:solidFill>
+              </a:rPr>
+              <a:t>() on portions of the list indexed with [] and [[]] e.g. </a:t>
+            </a:r>
+            <a:r>
+              <a:rPr lang="en-GB" dirty="0" err="1" smtClean="0">
+                <a:solidFill>
+                  <a:schemeClr val="bg1"/>
+                </a:solidFill>
+              </a:rPr>
+              <a:t>typeof</a:t>
+            </a:r>
+            <a:r>
+              <a:rPr lang="en-GB" dirty="0" smtClean="0">
+                <a:solidFill>
+                  <a:schemeClr val="bg1"/>
+                </a:solidFill>
+              </a:rPr>
+              <a:t>(LIST[2])</a:t>
+            </a:r>
+          </a:p>
+          <a:p>
+            <a:pPr lvl="1"/>
+            <a:endParaRPr lang="en-GB" dirty="0" smtClean="0">
+              <a:solidFill>
+                <a:schemeClr val="bg1"/>
+              </a:solidFill>
+            </a:endParaRPr>
+          </a:p>
+          <a:p>
+            <a:pPr lvl="1"/>
+            <a:endParaRPr lang="en-GB" dirty="0">
+              <a:solidFill>
+                <a:schemeClr val="bg1"/>
+              </a:solidFill>
+            </a:endParaRPr>
+          </a:p>
+        </p:txBody>
+      </p:sp>
+    </p:spTree>
+    <p:extLst>
+      <p:ext uri="{BB962C8B-B14F-4D97-AF65-F5344CB8AC3E}">
+        <p14:creationId xmlns:p14="http://schemas.microsoft.com/office/powerpoint/2010/main" val="839717124"/>
       </p:ext>
     </p:extLst>
   </p:cSld>

--- a/r-data-structures.pptx
+++ b/r-data-structures.pptx
@@ -5,7 +5,7 @@
     <p:sldMasterId id="2147483672" r:id="rId1"/>
   </p:sldMasterIdLst>
   <p:notesMasterIdLst>
-    <p:notesMasterId r:id="rId67"/>
+    <p:notesMasterId r:id="rId68"/>
   </p:notesMasterIdLst>
   <p:sldIdLst>
     <p:sldId id="256" r:id="rId2"/>
@@ -73,6 +73,7 @@
     <p:sldId id="320" r:id="rId64"/>
     <p:sldId id="322" r:id="rId65"/>
     <p:sldId id="323" r:id="rId66"/>
+    <p:sldId id="324" r:id="rId67"/>
   </p:sldIdLst>
   <p:sldSz cx="9144000" cy="6858000" type="screen4x3"/>
   <p:notesSz cx="6858000" cy="9144000"/>
@@ -16300,7 +16301,9 @@
             <a:r>
               <a:rPr lang="en-GB" dirty="0" err="1" smtClean="0">
                 <a:solidFill>
-                  <a:schemeClr val="bg1"/>
+                  <a:schemeClr val="accent6">
+                    <a:lumMod val="75000"/>
+                  </a:schemeClr>
                 </a:solidFill>
               </a:rPr>
               <a:t>Uni</a:t>
@@ -16308,20 +16311,48 @@
             <a:r>
               <a:rPr lang="en-GB" dirty="0" smtClean="0">
                 <a:solidFill>
-                  <a:schemeClr val="bg1"/>
-                </a:solidFill>
-              </a:rPr>
-              <a:t>-dimensional data structure</a:t>
-            </a:r>
-          </a:p>
-          <a:p>
+                  <a:schemeClr val="accent6">
+                    <a:lumMod val="75000"/>
+                  </a:schemeClr>
+                </a:solidFill>
+              </a:rPr>
+              <a:t>-dimensional</a:t>
+            </a:r>
             <a:r>
               <a:rPr lang="en-GB" dirty="0" smtClean="0">
                 <a:solidFill>
                   <a:schemeClr val="bg1"/>
                 </a:solidFill>
               </a:rPr>
-              <a:t>Can contain just about any kind of data structure</a:t>
+              <a:t> data structure</a:t>
+            </a:r>
+          </a:p>
+          <a:p>
+            <a:r>
+              <a:rPr lang="en-GB" dirty="0" smtClean="0">
+                <a:solidFill>
+                  <a:schemeClr val="bg1"/>
+                </a:solidFill>
+              </a:rPr>
+              <a:t>Can contain just about </a:t>
+            </a:r>
+            <a:r>
+              <a:rPr lang="en-GB" dirty="0" smtClean="0">
+                <a:solidFill>
+                  <a:schemeClr val="accent6">
+                    <a:lumMod val="75000"/>
+                  </a:schemeClr>
+                </a:solidFill>
+              </a:rPr>
+              <a:t>any</a:t>
+            </a:r>
+            <a:r>
+              <a:rPr lang="en-GB" dirty="0" smtClean="0">
+                <a:solidFill>
+                  <a:schemeClr val="bg1"/>
+                </a:solidFill>
+              </a:rPr>
+              <a:t> kind of data structure</a:t>
             </a:r>
           </a:p>
           <a:p>
@@ -16473,7 +16504,16 @@
                   <a:schemeClr val="bg1"/>
                 </a:solidFill>
               </a:rPr>
-              <a:t>The function list()</a:t>
+              <a:t>The function </a:t>
+            </a:r>
+            <a:r>
+              <a:rPr lang="en-GB" dirty="0" smtClean="0">
+                <a:solidFill>
+                  <a:srgbClr val="FFFF00"/>
+                </a:solidFill>
+                <a:latin typeface="Consolas" pitchFamily="49" charset="0"/>
+              </a:rPr>
+              <a:t>list()</a:t>
             </a:r>
           </a:p>
           <a:p>
@@ -16484,7 +16524,32 @@
                   <a:schemeClr val="bg1"/>
                 </a:solidFill>
               </a:rPr>
-              <a:t>Quite similar to c() in that it joins its arguments into a ‘chain’</a:t>
+              <a:t>Quite similar to </a:t>
+            </a:r>
+            <a:r>
+              <a:rPr lang="en-GB" dirty="0" smtClean="0">
+                <a:solidFill>
+                  <a:srgbClr val="FFFF00"/>
+                </a:solidFill>
+                <a:latin typeface="Consolas" pitchFamily="49" charset="0"/>
+              </a:rPr>
+              <a:t>c()</a:t>
+            </a:r>
+            <a:r>
+              <a:rPr lang="en-GB" dirty="0" smtClean="0">
+                <a:solidFill>
+                  <a:srgbClr val="FFFF00"/>
+                </a:solidFill>
+              </a:rPr>
+              <a:t> </a:t>
+            </a:r>
+            <a:r>
+              <a:rPr lang="en-GB" dirty="0" smtClean="0">
+                <a:solidFill>
+                  <a:schemeClr val="bg1"/>
+                </a:solidFill>
+              </a:rPr>
+              <a:t>in that it joins its arguments into a ‘chain’</a:t>
             </a:r>
           </a:p>
           <a:p>
@@ -16503,10 +16568,19 @@
             <a:r>
               <a:rPr lang="en-GB" dirty="0" smtClean="0">
                 <a:solidFill>
-                  <a:schemeClr val="bg1"/>
-                </a:solidFill>
-              </a:rPr>
-              <a:t>c() is type-specific </a:t>
+                  <a:srgbClr val="FFFF00"/>
+                </a:solidFill>
+                <a:latin typeface="Consolas" pitchFamily="49" charset="0"/>
+              </a:rPr>
+              <a:t>c()</a:t>
+            </a:r>
+            <a:r>
+              <a:rPr lang="en-GB" dirty="0" smtClean="0">
+                <a:solidFill>
+                  <a:schemeClr val="bg1"/>
+                </a:solidFill>
+              </a:rPr>
+              <a:t> is type-specific </a:t>
             </a:r>
           </a:p>
           <a:p>
@@ -16514,10 +16588,112 @@
             <a:r>
               <a:rPr lang="en-GB" dirty="0" smtClean="0">
                 <a:solidFill>
-                  <a:schemeClr val="bg1"/>
-                </a:solidFill>
-              </a:rPr>
-              <a:t>list() combines varied types</a:t>
+                  <a:srgbClr val="FFFF00"/>
+                </a:solidFill>
+                <a:latin typeface="Consolas" pitchFamily="49" charset="0"/>
+              </a:rPr>
+              <a:t>list()</a:t>
+            </a:r>
+            <a:r>
+              <a:rPr lang="en-GB" dirty="0" smtClean="0">
+                <a:solidFill>
+                  <a:srgbClr val="FFFF00"/>
+                </a:solidFill>
+              </a:rPr>
+              <a:t> </a:t>
+            </a:r>
+            <a:r>
+              <a:rPr lang="en-GB" dirty="0" smtClean="0">
+                <a:solidFill>
+                  <a:schemeClr val="bg1"/>
+                </a:solidFill>
+              </a:rPr>
+              <a:t>combines varied </a:t>
+            </a:r>
+            <a:r>
+              <a:rPr lang="en-GB" dirty="0" smtClean="0">
+                <a:solidFill>
+                  <a:schemeClr val="bg1"/>
+                </a:solidFill>
+              </a:rPr>
+              <a:t>types</a:t>
+            </a:r>
+          </a:p>
+          <a:p>
+            <a:pPr lvl="2"/>
+            <a:endParaRPr lang="en-GB" dirty="0">
+              <a:solidFill>
+                <a:schemeClr val="bg1"/>
+              </a:solidFill>
+            </a:endParaRPr>
+          </a:p>
+          <a:p>
+            <a:pPr lvl="1"/>
+            <a:r>
+              <a:rPr lang="en-GB" dirty="0" smtClean="0">
+                <a:solidFill>
+                  <a:schemeClr val="bg1"/>
+                </a:solidFill>
+              </a:rPr>
+              <a:t>Download the script </a:t>
+            </a:r>
+            <a:r>
+              <a:rPr lang="en-GB" dirty="0" smtClean="0">
+                <a:solidFill>
+                  <a:schemeClr val="bg1"/>
+                </a:solidFill>
+                <a:hlinkClick r:id="rId2"/>
+              </a:rPr>
+              <a:t>create-</a:t>
+            </a:r>
+            <a:r>
+              <a:rPr lang="en-GB" dirty="0" err="1" smtClean="0">
+                <a:solidFill>
+                  <a:schemeClr val="bg1"/>
+                </a:solidFill>
+                <a:hlinkClick r:id="rId2"/>
+              </a:rPr>
+              <a:t>lists.R</a:t>
+            </a:r>
+            <a:r>
+              <a:rPr lang="en-GB" dirty="0" smtClean="0">
+                <a:solidFill>
+                  <a:schemeClr val="bg1"/>
+                </a:solidFill>
+              </a:rPr>
+              <a:t> from the </a:t>
+            </a:r>
+            <a:r>
+              <a:rPr lang="en-GB" dirty="0" err="1" smtClean="0">
+                <a:solidFill>
+                  <a:schemeClr val="bg1"/>
+                </a:solidFill>
+              </a:rPr>
+              <a:t>WMGtraining</a:t>
+            </a:r>
+            <a:r>
+              <a:rPr lang="en-GB" dirty="0" smtClean="0">
+                <a:solidFill>
+                  <a:schemeClr val="bg1"/>
+                </a:solidFill>
+              </a:rPr>
+              <a:t> </a:t>
+            </a:r>
+            <a:r>
+              <a:rPr lang="en-GB" dirty="0" err="1" smtClean="0">
+                <a:solidFill>
+                  <a:schemeClr val="bg1"/>
+                </a:solidFill>
+              </a:rPr>
+              <a:t>GitHub</a:t>
+            </a:r>
+            <a:r>
+              <a:rPr lang="en-GB" dirty="0" smtClean="0">
+                <a:solidFill>
+                  <a:schemeClr val="bg1"/>
+                </a:solidFill>
+              </a:rPr>
+              <a:t> repository</a:t>
             </a:r>
             <a:endParaRPr lang="en-GB" dirty="0">
               <a:solidFill>
@@ -16537,6 +16713,13 @@
   <p:clrMapOvr>
     <a:masterClrMapping/>
   </p:clrMapOvr>
+  <p:timing>
+    <p:tnLst>
+      <p:par>
+        <p:cTn id="1" dur="indefinite" restart="never" nodeType="tmRoot"/>
+      </p:par>
+    </p:tnLst>
+  </p:timing>
 </p:sld>
 </file>
 
@@ -16661,7 +16844,25 @@
                   <a:schemeClr val="bg1"/>
                 </a:solidFill>
               </a:rPr>
-              <a:t>Data downloaded via the Twitter API is organised as a list</a:t>
+              <a:t>Data downloaded via the </a:t>
+            </a:r>
+            <a:r>
+              <a:rPr lang="en-GB" dirty="0" smtClean="0">
+                <a:solidFill>
+                  <a:schemeClr val="accent6">
+                    <a:lumMod val="75000"/>
+                  </a:schemeClr>
+                </a:solidFill>
+              </a:rPr>
+              <a:t>Twitter API </a:t>
+            </a:r>
+            <a:r>
+              <a:rPr lang="en-GB" dirty="0" smtClean="0">
+                <a:solidFill>
+                  <a:schemeClr val="bg1"/>
+                </a:solidFill>
+              </a:rPr>
+              <a:t>is organised as a list</a:t>
             </a:r>
             <a:endParaRPr lang="en-GB" dirty="0">
               <a:solidFill>
@@ -16681,6 +16882,13 @@
   <p:clrMapOvr>
     <a:masterClrMapping/>
   </p:clrMapOvr>
+  <p:timing>
+    <p:tnLst>
+      <p:par>
+        <p:cTn id="1" dur="indefinite" restart="never" nodeType="tmRoot"/>
+      </p:par>
+    </p:tnLst>
+  </p:timing>
 </p:sld>
 </file>
 
@@ -17021,6 +17229,201 @@
   <p:clrMapOvr>
     <a:masterClrMapping/>
   </p:clrMapOvr>
+  <p:timing>
+    <p:tnLst>
+      <p:par>
+        <p:cTn id="1" dur="indefinite" restart="never" nodeType="tmRoot">
+          <p:childTnLst>
+            <p:seq concurrent="1" nextAc="seek">
+              <p:cTn id="2" dur="indefinite" nodeType="mainSeq">
+                <p:childTnLst>
+                  <p:par>
+                    <p:cTn id="3" fill="hold">
+                      <p:stCondLst>
+                        <p:cond delay="indefinite"/>
+                      </p:stCondLst>
+                      <p:childTnLst>
+                        <p:par>
+                          <p:cTn id="4" fill="hold">
+                            <p:stCondLst>
+                              <p:cond delay="0"/>
+                            </p:stCondLst>
+                            <p:childTnLst>
+                              <p:par>
+                                <p:cTn id="5" presetID="10" presetClass="entr" presetSubtype="0" fill="hold" nodeType="clickEffect">
+                                  <p:stCondLst>
+                                    <p:cond delay="0"/>
+                                  </p:stCondLst>
+                                  <p:childTnLst>
+                                    <p:set>
+                                      <p:cBhvr>
+                                        <p:cTn id="6" dur="1" fill="hold">
+                                          <p:stCondLst>
+                                            <p:cond delay="0"/>
+                                          </p:stCondLst>
+                                        </p:cTn>
+                                        <p:tgtEl>
+                                          <p:spTgt spid="3">
+                                            <p:txEl>
+                                              <p:pRg st="7" end="7"/>
+                                            </p:txEl>
+                                          </p:spTgt>
+                                        </p:tgtEl>
+                                        <p:attrNameLst>
+                                          <p:attrName>style.visibility</p:attrName>
+                                        </p:attrNameLst>
+                                      </p:cBhvr>
+                                      <p:to>
+                                        <p:strVal val="visible"/>
+                                      </p:to>
+                                    </p:set>
+                                    <p:animEffect transition="in" filter="fade">
+                                      <p:cBhvr>
+                                        <p:cTn id="7" dur="500"/>
+                                        <p:tgtEl>
+                                          <p:spTgt spid="3">
+                                            <p:txEl>
+                                              <p:pRg st="7" end="7"/>
+                                            </p:txEl>
+                                          </p:spTgt>
+                                        </p:tgtEl>
+                                      </p:cBhvr>
+                                    </p:animEffect>
+                                  </p:childTnLst>
+                                </p:cTn>
+                              </p:par>
+                              <p:par>
+                                <p:cTn id="8" presetID="10" presetClass="entr" presetSubtype="0" fill="hold" nodeType="withEffect">
+                                  <p:stCondLst>
+                                    <p:cond delay="0"/>
+                                  </p:stCondLst>
+                                  <p:childTnLst>
+                                    <p:set>
+                                      <p:cBhvr>
+                                        <p:cTn id="9" dur="1" fill="hold">
+                                          <p:stCondLst>
+                                            <p:cond delay="0"/>
+                                          </p:stCondLst>
+                                        </p:cTn>
+                                        <p:tgtEl>
+                                          <p:spTgt spid="3">
+                                            <p:txEl>
+                                              <p:pRg st="8" end="8"/>
+                                            </p:txEl>
+                                          </p:spTgt>
+                                        </p:tgtEl>
+                                        <p:attrNameLst>
+                                          <p:attrName>style.visibility</p:attrName>
+                                        </p:attrNameLst>
+                                      </p:cBhvr>
+                                      <p:to>
+                                        <p:strVal val="visible"/>
+                                      </p:to>
+                                    </p:set>
+                                    <p:animEffect transition="in" filter="fade">
+                                      <p:cBhvr>
+                                        <p:cTn id="10" dur="500"/>
+                                        <p:tgtEl>
+                                          <p:spTgt spid="3">
+                                            <p:txEl>
+                                              <p:pRg st="8" end="8"/>
+                                            </p:txEl>
+                                          </p:spTgt>
+                                        </p:tgtEl>
+                                      </p:cBhvr>
+                                    </p:animEffect>
+                                  </p:childTnLst>
+                                </p:cTn>
+                              </p:par>
+                            </p:childTnLst>
+                          </p:cTn>
+                        </p:par>
+                      </p:childTnLst>
+                    </p:cTn>
+                  </p:par>
+                  <p:par>
+                    <p:cTn id="11" fill="hold">
+                      <p:stCondLst>
+                        <p:cond delay="indefinite"/>
+                      </p:stCondLst>
+                      <p:childTnLst>
+                        <p:par>
+                          <p:cTn id="12" fill="hold">
+                            <p:stCondLst>
+                              <p:cond delay="0"/>
+                            </p:stCondLst>
+                            <p:childTnLst>
+                              <p:par>
+                                <p:cTn id="13" presetID="10" presetClass="entr" presetSubtype="0" fill="hold" nodeType="clickEffect">
+                                  <p:stCondLst>
+                                    <p:cond delay="0"/>
+                                  </p:stCondLst>
+                                  <p:childTnLst>
+                                    <p:set>
+                                      <p:cBhvr>
+                                        <p:cTn id="14" dur="1" fill="hold">
+                                          <p:stCondLst>
+                                            <p:cond delay="0"/>
+                                          </p:stCondLst>
+                                        </p:cTn>
+                                        <p:tgtEl>
+                                          <p:spTgt spid="3">
+                                            <p:txEl>
+                                              <p:pRg st="10" end="10"/>
+                                            </p:txEl>
+                                          </p:spTgt>
+                                        </p:tgtEl>
+                                        <p:attrNameLst>
+                                          <p:attrName>style.visibility</p:attrName>
+                                        </p:attrNameLst>
+                                      </p:cBhvr>
+                                      <p:to>
+                                        <p:strVal val="visible"/>
+                                      </p:to>
+                                    </p:set>
+                                    <p:animEffect transition="in" filter="fade">
+                                      <p:cBhvr>
+                                        <p:cTn id="15" dur="500"/>
+                                        <p:tgtEl>
+                                          <p:spTgt spid="3">
+                                            <p:txEl>
+                                              <p:pRg st="10" end="10"/>
+                                            </p:txEl>
+                                          </p:spTgt>
+                                        </p:tgtEl>
+                                      </p:cBhvr>
+                                    </p:animEffect>
+                                  </p:childTnLst>
+                                </p:cTn>
+                              </p:par>
+                            </p:childTnLst>
+                          </p:cTn>
+                        </p:par>
+                      </p:childTnLst>
+                    </p:cTn>
+                  </p:par>
+                </p:childTnLst>
+              </p:cTn>
+              <p:prevCondLst>
+                <p:cond evt="onPrev" delay="0">
+                  <p:tgtEl>
+                    <p:sldTgt/>
+                  </p:tgtEl>
+                </p:cond>
+              </p:prevCondLst>
+              <p:nextCondLst>
+                <p:cond evt="onNext" delay="0">
+                  <p:tgtEl>
+                    <p:sldTgt/>
+                  </p:tgtEl>
+                </p:cond>
+              </p:nextCondLst>
+            </p:seq>
+          </p:childTnLst>
+        </p:cTn>
+      </p:par>
+    </p:tnLst>
+  </p:timing>
 </p:sld>
 </file>
 
@@ -17104,7 +17507,33 @@
                   <a:schemeClr val="bg1"/>
                 </a:solidFill>
               </a:rPr>
-              <a:t>For lists we can use either [] or [[]]</a:t>
+              <a:t>For lists we can use either </a:t>
+            </a:r>
+            <a:r>
+              <a:rPr lang="en-GB" dirty="0" smtClean="0">
+                <a:solidFill>
+                  <a:srgbClr val="FFFF00"/>
+                </a:solidFill>
+                <a:latin typeface="Consolas" pitchFamily="49" charset="0"/>
+              </a:rPr>
+              <a:t>[]</a:t>
+            </a:r>
+            <a:r>
+              <a:rPr lang="en-GB" dirty="0" smtClean="0">
+                <a:solidFill>
+                  <a:schemeClr val="bg1"/>
+                </a:solidFill>
+              </a:rPr>
+              <a:t> or </a:t>
+            </a:r>
+            <a:r>
+              <a:rPr lang="en-GB" dirty="0" smtClean="0">
+                <a:solidFill>
+                  <a:srgbClr val="FFFF00"/>
+                </a:solidFill>
+                <a:latin typeface="Consolas" pitchFamily="49" charset="0"/>
+              </a:rPr>
+              <a:t>[[]]</a:t>
             </a:r>
           </a:p>
           <a:p>
@@ -17115,7 +17544,24 @@
                   <a:schemeClr val="bg1"/>
                 </a:solidFill>
               </a:rPr>
-              <a:t>Use of [] will yield a list</a:t>
+              <a:t>Use of </a:t>
+            </a:r>
+            <a:r>
+              <a:rPr lang="en-GB" dirty="0" smtClean="0">
+                <a:solidFill>
+                  <a:srgbClr val="FFFF00"/>
+                </a:solidFill>
+                <a:latin typeface="Consolas" pitchFamily="49" charset="0"/>
+              </a:rPr>
+              <a:t>[]</a:t>
+            </a:r>
+            <a:r>
+              <a:rPr lang="en-GB" dirty="0" smtClean="0">
+                <a:solidFill>
+                  <a:schemeClr val="bg1"/>
+                </a:solidFill>
+              </a:rPr>
+              <a:t> will yield a list</a:t>
             </a:r>
           </a:p>
           <a:p>
@@ -17126,7 +17572,24 @@
                   <a:schemeClr val="bg1"/>
                 </a:solidFill>
               </a:rPr>
-              <a:t>Using [[]] will yield the list’s component i.e. vector, etc.</a:t>
+              <a:t>Using </a:t>
+            </a:r>
+            <a:r>
+              <a:rPr lang="en-GB" dirty="0" smtClean="0">
+                <a:solidFill>
+                  <a:srgbClr val="FFFF00"/>
+                </a:solidFill>
+                <a:latin typeface="Consolas" pitchFamily="49" charset="0"/>
+              </a:rPr>
+              <a:t>[[]]</a:t>
+            </a:r>
+            <a:r>
+              <a:rPr lang="en-GB" dirty="0" smtClean="0">
+                <a:solidFill>
+                  <a:schemeClr val="bg1"/>
+                </a:solidFill>
+              </a:rPr>
+              <a:t> will yield the list’s component i.e. vector, etc.</a:t>
             </a:r>
           </a:p>
           <a:p>
@@ -17142,32 +17605,78 @@
             <a:r>
               <a:rPr lang="en-GB" dirty="0" err="1" smtClean="0">
                 <a:solidFill>
-                  <a:schemeClr val="bg1"/>
-                </a:solidFill>
+                  <a:srgbClr val="FFFF00"/>
+                </a:solidFill>
+                <a:latin typeface="Consolas" pitchFamily="49" charset="0"/>
               </a:rPr>
               <a:t>typeof</a:t>
             </a:r>
             <a:r>
               <a:rPr lang="en-GB" dirty="0" smtClean="0">
                 <a:solidFill>
-                  <a:schemeClr val="bg1"/>
-                </a:solidFill>
-              </a:rPr>
-              <a:t>() on portions of the list indexed with [] and [[]] e.g. </a:t>
+                  <a:srgbClr val="FFFF00"/>
+                </a:solidFill>
+                <a:latin typeface="Consolas" pitchFamily="49" charset="0"/>
+              </a:rPr>
+              <a:t>()</a:t>
+            </a:r>
+            <a:r>
+              <a:rPr lang="en-GB" dirty="0" smtClean="0">
+                <a:solidFill>
+                  <a:schemeClr val="bg1"/>
+                </a:solidFill>
+              </a:rPr>
+              <a:t> on portions of the list indexed with </a:t>
+            </a:r>
+            <a:r>
+              <a:rPr lang="en-GB" dirty="0" smtClean="0">
+                <a:solidFill>
+                  <a:srgbClr val="FFFF00"/>
+                </a:solidFill>
+                <a:latin typeface="Consolas" pitchFamily="49" charset="0"/>
+              </a:rPr>
+              <a:t>[]</a:t>
+            </a:r>
+            <a:r>
+              <a:rPr lang="en-GB" dirty="0" smtClean="0">
+                <a:solidFill>
+                  <a:schemeClr val="bg1"/>
+                </a:solidFill>
+              </a:rPr>
+              <a:t> and </a:t>
+            </a:r>
+            <a:r>
+              <a:rPr lang="en-GB" dirty="0" smtClean="0">
+                <a:solidFill>
+                  <a:srgbClr val="FFFF00"/>
+                </a:solidFill>
+                <a:latin typeface="Consolas" pitchFamily="49" charset="0"/>
+              </a:rPr>
+              <a:t>[[]]</a:t>
+            </a:r>
+            <a:r>
+              <a:rPr lang="en-GB" dirty="0" smtClean="0">
+                <a:solidFill>
+                  <a:schemeClr val="bg1"/>
+                </a:solidFill>
+              </a:rPr>
+              <a:t> e.g. </a:t>
             </a:r>
             <a:r>
               <a:rPr lang="en-GB" dirty="0" err="1" smtClean="0">
                 <a:solidFill>
-                  <a:schemeClr val="bg1"/>
-                </a:solidFill>
+                  <a:srgbClr val="FFFF00"/>
+                </a:solidFill>
+                <a:latin typeface="Consolas" pitchFamily="49" charset="0"/>
               </a:rPr>
               <a:t>typeof</a:t>
             </a:r>
             <a:r>
               <a:rPr lang="en-GB" dirty="0" smtClean="0">
                 <a:solidFill>
-                  <a:schemeClr val="bg1"/>
-                </a:solidFill>
+                  <a:srgbClr val="FFFF00"/>
+                </a:solidFill>
+                <a:latin typeface="Consolas" pitchFamily="49" charset="0"/>
               </a:rPr>
               <a:t>(LIST[2])</a:t>
             </a:r>
@@ -17200,6 +17709,155 @@
   <p:clrMapOvr>
     <a:masterClrMapping/>
   </p:clrMapOvr>
+  <p:timing>
+    <p:tnLst>
+      <p:par>
+        <p:cTn id="1" dur="indefinite" restart="never" nodeType="tmRoot"/>
+      </p:par>
+    </p:tnLst>
+  </p:timing>
+</p:sld>
+</file>
+
+<file path=ppt/slides/slide66.xml><?xml version="1.0" encoding="utf-8"?>
+<p:sld xmlns:a="http://schemas.openxmlformats.org/drawingml/2006/main" xmlns:r="http://schemas.openxmlformats.org/officeDocument/2006/relationships" xmlns:p="http://schemas.openxmlformats.org/presentationml/2006/main">
+  <p:cSld>
+    <p:spTree>
+      <p:nvGrpSpPr>
+        <p:cNvPr id="1" name=""/>
+        <p:cNvGrpSpPr/>
+        <p:nvPr/>
+      </p:nvGrpSpPr>
+      <p:grpSpPr>
+        <a:xfrm>
+          <a:off x="0" y="0"/>
+          <a:ext cx="0" cy="0"/>
+          <a:chOff x="0" y="0"/>
+          <a:chExt cx="0" cy="0"/>
+        </a:xfrm>
+      </p:grpSpPr>
+      <p:sp>
+        <p:nvSpPr>
+          <p:cNvPr id="2" name="Title 1"/>
+          <p:cNvSpPr>
+            <a:spLocks noGrp="1"/>
+          </p:cNvSpPr>
+          <p:nvPr>
+            <p:ph type="title"/>
+          </p:nvPr>
+        </p:nvSpPr>
+        <p:spPr/>
+        <p:txBody>
+          <a:bodyPr/>
+          <a:lstStyle/>
+          <a:p>
+            <a:r>
+              <a:rPr lang="en-GB" dirty="0" smtClean="0">
+                <a:solidFill>
+                  <a:schemeClr val="bg1"/>
+                </a:solidFill>
+              </a:rPr>
+              <a:t>Arrays</a:t>
+            </a:r>
+            <a:endParaRPr lang="en-GB" dirty="0">
+              <a:solidFill>
+                <a:schemeClr val="bg1"/>
+              </a:solidFill>
+            </a:endParaRPr>
+          </a:p>
+        </p:txBody>
+      </p:sp>
+      <p:sp>
+        <p:nvSpPr>
+          <p:cNvPr id="3" name="Content Placeholder 2"/>
+          <p:cNvSpPr>
+            <a:spLocks noGrp="1"/>
+          </p:cNvSpPr>
+          <p:nvPr>
+            <p:ph idx="1"/>
+          </p:nvPr>
+        </p:nvSpPr>
+        <p:spPr/>
+        <p:txBody>
+          <a:bodyPr/>
+          <a:lstStyle/>
+          <a:p>
+            <a:r>
+              <a:rPr lang="en-GB" dirty="0" smtClean="0">
+                <a:solidFill>
+                  <a:schemeClr val="bg1"/>
+                </a:solidFill>
+              </a:rPr>
+              <a:t>These </a:t>
+            </a:r>
+            <a:r>
+              <a:rPr lang="en-GB" dirty="0">
+                <a:solidFill>
+                  <a:schemeClr val="bg1"/>
+                </a:solidFill>
+              </a:rPr>
+              <a:t>are n-dimensional objects, </a:t>
+            </a:r>
+            <a:r>
+              <a:rPr lang="en-GB" dirty="0">
+                <a:solidFill>
+                  <a:schemeClr val="accent6">
+                    <a:lumMod val="75000"/>
+                  </a:schemeClr>
+                </a:solidFill>
+              </a:rPr>
+              <a:t>where n &gt; </a:t>
+            </a:r>
+            <a:r>
+              <a:rPr lang="en-GB" dirty="0" smtClean="0">
+                <a:solidFill>
+                  <a:schemeClr val="accent6">
+                    <a:lumMod val="75000"/>
+                  </a:schemeClr>
+                </a:solidFill>
+              </a:rPr>
+              <a:t>2</a:t>
+            </a:r>
+            <a:endParaRPr lang="en-GB" dirty="0" smtClean="0">
+              <a:solidFill>
+                <a:schemeClr val="bg1"/>
+              </a:solidFill>
+            </a:endParaRPr>
+          </a:p>
+          <a:p>
+            <a:r>
+              <a:rPr lang="en-GB" dirty="0">
+                <a:solidFill>
+                  <a:schemeClr val="bg1"/>
+                </a:solidFill>
+              </a:rPr>
+              <a:t>h</a:t>
+            </a:r>
+            <a:endParaRPr lang="en-GB" dirty="0" smtClean="0">
+              <a:solidFill>
+                <a:schemeClr val="bg1"/>
+              </a:solidFill>
+            </a:endParaRPr>
+          </a:p>
+        </p:txBody>
+      </p:sp>
+    </p:spTree>
+    <p:extLst>
+      <p:ext uri="{BB962C8B-B14F-4D97-AF65-F5344CB8AC3E}">
+        <p14:creationId xmlns:p14="http://schemas.microsoft.com/office/powerpoint/2010/main" val="3067917676"/>
+      </p:ext>
+    </p:extLst>
+  </p:cSld>
+  <p:clrMapOvr>
+    <a:masterClrMapping/>
+  </p:clrMapOvr>
+  <p:timing>
+    <p:tnLst>
+      <p:par>
+        <p:cTn id="1" dur="indefinite" restart="never" nodeType="tmRoot"/>
+      </p:par>
+    </p:tnLst>
+  </p:timing>
 </p:sld>
 </file>
 
